--- a/ImageProcessing/stitching_direction.pptx
+++ b/ImageProcessing/stitching_direction.pptx
@@ -3277,11 +3277,7 @@
             </a:r>
             <a:r>
               <a:rPr lang="en-US" altLang="zh-CN" dirty="0" smtClean="0"/>
-              <a:t> &gt;0 dy &gt;</a:t>
-            </a:r>
-            <a:r>
-              <a:rPr lang="en-US" altLang="zh-CN" dirty="0" smtClean="0"/>
-              <a:t>0</a:t>
+              <a:t> &gt;0 dy &gt;0</a:t>
             </a:r>
             <a:endParaRPr lang="zh-CN" altLang="en-US" dirty="0"/>
           </a:p>
